--- a/UIScreenshots/design.pptx
+++ b/UIScreenshots/design.pptx
@@ -104,6 +104,11 @@
       </a:defRPr>
     </a:lvl9pPr>
   </p:defaultTextStyle>
+  <p:extLst>
+    <p:ext uri="{EFAFB233-063F-42B5-8137-9DF3F51BA10A}">
+      <p15:sldGuideLst xmlns:p15="http://schemas.microsoft.com/office/powerpoint/2012/main"/>
+    </p:ext>
+  </p:extLst>
 </p:presentation>
 </file>
 
@@ -3900,6 +3905,65 @@
         <p:spPr>
           <a:xfrm>
             <a:off x="133722" y="508269"/>
+            <a:ext cx="1103539" cy="308066"/>
+          </a:xfrm>
+          <a:prstGeom prst="rect">
+            <a:avLst/>
+          </a:prstGeom>
+          <a:solidFill>
+            <a:schemeClr val="accent1">
+              <a:lumMod val="20000"/>
+              <a:lumOff val="80000"/>
+            </a:schemeClr>
+          </a:solidFill>
+        </p:spPr>
+        <p:style>
+          <a:lnRef idx="2">
+            <a:schemeClr val="accent1">
+              <a:shade val="15000"/>
+            </a:schemeClr>
+          </a:lnRef>
+          <a:fillRef idx="1">
+            <a:schemeClr val="accent1"/>
+          </a:fillRef>
+          <a:effectRef idx="0">
+            <a:schemeClr val="accent1"/>
+          </a:effectRef>
+          <a:fontRef idx="minor">
+            <a:schemeClr val="lt1"/>
+          </a:fontRef>
+        </p:style>
+        <p:txBody>
+          <a:bodyPr rtlCol="0" anchor="ctr"/>
+          <a:lstStyle/>
+          <a:p>
+            <a:pPr algn="ctr"/>
+            <a:r>
+              <a:rPr lang="en-US" sz="1400" dirty="0">
+                <a:solidFill>
+                  <a:schemeClr val="tx1"/>
+                </a:solidFill>
+              </a:rPr>
+              <a:t>Commands</a:t>
+            </a:r>
+          </a:p>
+        </p:txBody>
+      </p:sp>
+      <p:sp>
+        <p:nvSpPr>
+          <p:cNvPr id="20" name="Rectangle 19">
+            <a:extLst>
+              <a:ext uri="{FF2B5EF4-FFF2-40B4-BE49-F238E27FC236}">
+                <a16:creationId xmlns:a16="http://schemas.microsoft.com/office/drawing/2014/main" id="{5BFFB6CF-8423-B8D3-7EC5-039E30007B13}"/>
+              </a:ext>
+            </a:extLst>
+          </p:cNvPr>
+          <p:cNvSpPr/>
+          <p:nvPr/>
+        </p:nvSpPr>
+        <p:spPr>
+          <a:xfrm>
+            <a:off x="1290098" y="514735"/>
             <a:ext cx="910285" cy="308066"/>
           </a:xfrm>
           <a:prstGeom prst="rect">
@@ -3939,65 +4003,6 @@
                   <a:schemeClr val="tx1"/>
                 </a:solidFill>
               </a:rPr>
-              <a:t>Actions</a:t>
-            </a:r>
-          </a:p>
-        </p:txBody>
-      </p:sp>
-      <p:sp>
-        <p:nvSpPr>
-          <p:cNvPr id="20" name="Rectangle 19">
-            <a:extLst>
-              <a:ext uri="{FF2B5EF4-FFF2-40B4-BE49-F238E27FC236}">
-                <a16:creationId xmlns:a16="http://schemas.microsoft.com/office/drawing/2014/main" id="{5BFFB6CF-8423-B8D3-7EC5-039E30007B13}"/>
-              </a:ext>
-            </a:extLst>
-          </p:cNvPr>
-          <p:cNvSpPr/>
-          <p:nvPr/>
-        </p:nvSpPr>
-        <p:spPr>
-          <a:xfrm>
-            <a:off x="1173560" y="514735"/>
-            <a:ext cx="910285" cy="308066"/>
-          </a:xfrm>
-          <a:prstGeom prst="rect">
-            <a:avLst/>
-          </a:prstGeom>
-          <a:solidFill>
-            <a:schemeClr val="accent1">
-              <a:lumMod val="20000"/>
-              <a:lumOff val="80000"/>
-            </a:schemeClr>
-          </a:solidFill>
-        </p:spPr>
-        <p:style>
-          <a:lnRef idx="2">
-            <a:schemeClr val="accent1">
-              <a:shade val="15000"/>
-            </a:schemeClr>
-          </a:lnRef>
-          <a:fillRef idx="1">
-            <a:schemeClr val="accent1"/>
-          </a:fillRef>
-          <a:effectRef idx="0">
-            <a:schemeClr val="accent1"/>
-          </a:effectRef>
-          <a:fontRef idx="minor">
-            <a:schemeClr val="lt1"/>
-          </a:fontRef>
-        </p:style>
-        <p:txBody>
-          <a:bodyPr rtlCol="0" anchor="ctr"/>
-          <a:lstStyle/>
-          <a:p>
-            <a:pPr algn="ctr"/>
-            <a:r>
-              <a:rPr lang="en-US" sz="1400" dirty="0">
-                <a:solidFill>
-                  <a:schemeClr val="tx1"/>
-                </a:solidFill>
-              </a:rPr>
               <a:t>Buildings</a:t>
             </a:r>
           </a:p>
@@ -4052,7 +4057,7 @@
         </p:nvSpPr>
         <p:spPr>
           <a:xfrm>
-            <a:off x="2213398" y="514735"/>
+            <a:off x="2279058" y="514735"/>
             <a:ext cx="910285" cy="308066"/>
           </a:xfrm>
           <a:prstGeom prst="rect">
